--- a/week6_linear_models.pptx
+++ b/week6_linear_models.pptx
@@ -2666,7 +2666,7 @@
         <a:spcBef>
           <a:spcPts val="1000"/>
         </a:spcBef>
-        <a:buFont typeface="Arial" panose="02080604020202020204" pitchFamily="34" charset="0"/>
+        <a:buFont typeface="Arial" panose="020B0604020202020204" pitchFamily="34" charset="0"/>
         <a:buChar char="•"/>
         <a:defRPr sz="2800" kern="1200">
           <a:solidFill>
@@ -2684,7 +2684,7 @@
         <a:spcBef>
           <a:spcPts val="500"/>
         </a:spcBef>
-        <a:buFont typeface="Arial" panose="02080604020202020204" pitchFamily="34" charset="0"/>
+        <a:buFont typeface="Arial" panose="020B0604020202020204" pitchFamily="34" charset="0"/>
         <a:buChar char="•"/>
         <a:defRPr sz="2400" kern="1200">
           <a:solidFill>
@@ -2702,7 +2702,7 @@
         <a:spcBef>
           <a:spcPts val="500"/>
         </a:spcBef>
-        <a:buFont typeface="Arial" panose="02080604020202020204" pitchFamily="34" charset="0"/>
+        <a:buFont typeface="Arial" panose="020B0604020202020204" pitchFamily="34" charset="0"/>
         <a:buChar char="•"/>
         <a:defRPr sz="2000" kern="1200">
           <a:solidFill>
@@ -2720,7 +2720,7 @@
         <a:spcBef>
           <a:spcPts val="500"/>
         </a:spcBef>
-        <a:buFont typeface="Arial" panose="02080604020202020204" pitchFamily="34" charset="0"/>
+        <a:buFont typeface="Arial" panose="020B0604020202020204" pitchFamily="34" charset="0"/>
         <a:buChar char="•"/>
         <a:defRPr sz="1800" kern="1200">
           <a:solidFill>
@@ -2738,7 +2738,7 @@
         <a:spcBef>
           <a:spcPts val="500"/>
         </a:spcBef>
-        <a:buFont typeface="Arial" panose="02080604020202020204" pitchFamily="34" charset="0"/>
+        <a:buFont typeface="Arial" panose="020B0604020202020204" pitchFamily="34" charset="0"/>
         <a:buChar char="•"/>
         <a:defRPr sz="1800" kern="1200">
           <a:solidFill>
@@ -2756,7 +2756,7 @@
         <a:spcBef>
           <a:spcPts val="500"/>
         </a:spcBef>
-        <a:buFont typeface="Arial" panose="02080604020202020204" pitchFamily="34" charset="0"/>
+        <a:buFont typeface="Arial" panose="020B0604020202020204" pitchFamily="34" charset="0"/>
         <a:buChar char="•"/>
         <a:defRPr sz="1800" kern="1200">
           <a:solidFill>
@@ -2774,7 +2774,7 @@
         <a:spcBef>
           <a:spcPts val="500"/>
         </a:spcBef>
-        <a:buFont typeface="Arial" panose="02080604020202020204" pitchFamily="34" charset="0"/>
+        <a:buFont typeface="Arial" panose="020B0604020202020204" pitchFamily="34" charset="0"/>
         <a:buChar char="•"/>
         <a:defRPr sz="1800" kern="1200">
           <a:solidFill>
@@ -2792,7 +2792,7 @@
         <a:spcBef>
           <a:spcPts val="500"/>
         </a:spcBef>
-        <a:buFont typeface="Arial" panose="02080604020202020204" pitchFamily="34" charset="0"/>
+        <a:buFont typeface="Arial" panose="020B0604020202020204" pitchFamily="34" charset="0"/>
         <a:buChar char="•"/>
         <a:defRPr sz="1800" kern="1200">
           <a:solidFill>
@@ -2810,7 +2810,7 @@
         <a:spcBef>
           <a:spcPts val="500"/>
         </a:spcBef>
-        <a:buFont typeface="Arial" panose="02080604020202020204" pitchFamily="34" charset="0"/>
+        <a:buFont typeface="Arial" panose="020B0604020202020204" pitchFamily="34" charset="0"/>
         <a:buChar char="•"/>
         <a:defRPr sz="1800" kern="1200">
           <a:solidFill>
@@ -3229,10 +3229,10 @@
               <a:buNone/>
             </a:pPr>
             <a:r>
-              <a:rPr lang="en-US" sz="2400" b="1"/>
-              <a:t>最优答案：</a:t>
-            </a:r>
-            <a:endParaRPr lang="en-US" sz="2400" b="1"/>
+              <a:rPr lang="" altLang="en-US" sz="2400" b="1"/>
+              <a:t>one vs rest</a:t>
+            </a:r>
+            <a:endParaRPr lang="" altLang="en-US" sz="2400" b="1"/>
           </a:p>
           <a:p>
             <a:pPr marL="0" indent="0">
@@ -3244,11 +3244,7 @@
               </a:spcAft>
               <a:buNone/>
             </a:pPr>
-            <a:r>
-              <a:rPr lang="en-US" sz="2400" b="1"/>
-              <a:t>	</a:t>
-            </a:r>
-            <a:endParaRPr lang="en-US" sz="2400" b="1"/>
+            <a:endParaRPr lang="" altLang="en-US" sz="2400" b="1"/>
           </a:p>
           <a:p>
             <a:pPr marL="0" indent="0">
@@ -3261,10 +3257,10 @@
               <a:buNone/>
             </a:pPr>
             <a:r>
-              <a:rPr lang="en-US" sz="2400" b="1"/>
-              <a:t>	用 N 个 logistic 函数映射到 N 个 （0,1） 区间小数，再用 softmax 函数归一化，得到 x 位于每一类的概率：</a:t>
-            </a:r>
-            <a:endParaRPr lang="en-US" sz="2400" b="1"/>
+              <a:rPr lang="" altLang="en-US" sz="2400" b="1"/>
+              <a:t>one vs rest</a:t>
+            </a:r>
+            <a:endParaRPr lang="" altLang="en-US" sz="2400" b="1"/>
           </a:p>
           <a:p>
             <a:pPr marL="0" indent="0">
@@ -3276,7 +3272,7 @@
               </a:spcAft>
               <a:buNone/>
             </a:pPr>
-            <a:endParaRPr lang="en-US" sz="2400" b="1"/>
+            <a:endParaRPr lang="" altLang="en-US" sz="2400" b="1"/>
           </a:p>
           <a:p>
             <a:pPr marL="0" indent="0">
@@ -3288,41 +3284,17 @@
               </a:spcAft>
               <a:buNone/>
             </a:pPr>
-            <a:endParaRPr lang="en-US" sz="2400" b="1"/>
-          </a:p>
-          <a:p>
-            <a:pPr marL="0" indent="0">
-              <a:lnSpc>
-                <a:spcPct val="120000"/>
-              </a:lnSpc>
-              <a:spcAft>
-                <a:spcPts val="0"/>
-              </a:spcAft>
-              <a:buNone/>
-            </a:pPr>
-            <a:endParaRPr lang="en-US" sz="2400" b="1"/>
-          </a:p>
-          <a:p>
-            <a:pPr marL="0" indent="0">
-              <a:lnSpc>
-                <a:spcPct val="120000"/>
-              </a:lnSpc>
-              <a:spcAft>
-                <a:spcPts val="0"/>
-              </a:spcAft>
-              <a:buNone/>
-            </a:pPr>
-            <a:r>
-              <a:rPr lang="en-US" sz="2400" b="1"/>
-              <a:t>	softmax 函数保证各类概率之和为1。</a:t>
-            </a:r>
-            <a:endParaRPr lang="en-US" sz="2400" b="1"/>
+            <a:r>
+              <a:rPr lang="" altLang="en-US" sz="2400" b="1"/>
+              <a:t>softmax 回归（是logistic函数的推广，可以在有k个类别时，对每个类别都给出一个概率。类别数为2时，softmax函数退化为logistic函数）</a:t>
+            </a:r>
+            <a:endParaRPr lang="" altLang="en-US" sz="2400" b="1"/>
           </a:p>
         </p:txBody>
       </p:sp>
       <p:pic>
         <p:nvPicPr>
-          <p:cNvPr id="4" name="Picture 3"/>
+          <p:cNvPr id="5" name="Picture 4"/>
           <p:cNvPicPr>
             <a:picLocks noChangeAspect="1"/>
           </p:cNvPicPr>
@@ -3336,8 +3308,8 @@
         </p:blipFill>
         <p:spPr>
           <a:xfrm>
-            <a:off x="4379595" y="4166235"/>
-            <a:ext cx="2966720" cy="976630"/>
+            <a:off x="3985895" y="5058410"/>
+            <a:ext cx="4598670" cy="1742440"/>
           </a:xfrm>
           <a:prstGeom prst="rect">
             <a:avLst/>
@@ -3434,7 +3406,7 @@
                                         <p:tgtEl>
                                           <p:spTgt spid="3">
                                             <p:txEl>
-                                              <p:pRg st="1" end="1"/>
+                                              <p:pRg st="2" end="2"/>
                                             </p:txEl>
                                           </p:spTgt>
                                         </p:tgtEl>
@@ -3483,147 +3455,7 @@
                                         <p:tgtEl>
                                           <p:spTgt spid="3">
                                             <p:txEl>
-                                              <p:pRg st="2" end="2"/>
-                                            </p:txEl>
-                                          </p:spTgt>
-                                        </p:tgtEl>
-                                        <p:attrNameLst>
-                                          <p:attrName>style.visibility</p:attrName>
-                                        </p:attrNameLst>
-                                      </p:cBhvr>
-                                      <p:to>
-                                        <p:strVal val="visible"/>
-                                      </p:to>
-                                    </p:set>
-                                  </p:childTnLst>
-                                </p:cTn>
-                              </p:par>
-                            </p:childTnLst>
-                          </p:cTn>
-                        </p:par>
-                      </p:childTnLst>
-                    </p:cTn>
-                  </p:par>
-                  <p:par>
-                    <p:cTn id="15" fill="hold">
-                      <p:stCondLst>
-                        <p:cond delay="indefinite"/>
-                      </p:stCondLst>
-                      <p:childTnLst>
-                        <p:par>
-                          <p:cTn id="16" fill="hold">
-                            <p:stCondLst>
-                              <p:cond delay="0"/>
-                            </p:stCondLst>
-                            <p:childTnLst>
-                              <p:par>
-                                <p:cTn id="17" presetID="2" presetClass="entr" presetSubtype="4" fill="hold" nodeType="clickEffect">
-                                  <p:stCondLst>
-                                    <p:cond delay="0"/>
-                                  </p:stCondLst>
-                                  <p:childTnLst>
-                                    <p:set>
-                                      <p:cBhvr>
-                                        <p:cTn id="18" dur="1" fill="hold">
-                                          <p:stCondLst>
-                                            <p:cond delay="0"/>
-                                          </p:stCondLst>
-                                        </p:cTn>
-                                        <p:tgtEl>
-                                          <p:spTgt spid="4"/>
-                                        </p:tgtEl>
-                                        <p:attrNameLst>
-                                          <p:attrName>style.visibility</p:attrName>
-                                        </p:attrNameLst>
-                                      </p:cBhvr>
-                                      <p:to>
-                                        <p:strVal val="visible"/>
-                                      </p:to>
-                                    </p:set>
-                                    <p:anim calcmode="lin" valueType="num">
-                                      <p:cBhvr additive="base">
-                                        <p:cTn id="19" dur="500" fill="hold"/>
-                                        <p:tgtEl>
-                                          <p:spTgt spid="4"/>
-                                        </p:tgtEl>
-                                        <p:attrNameLst>
-                                          <p:attrName>ppt_x</p:attrName>
-                                        </p:attrNameLst>
-                                      </p:cBhvr>
-                                      <p:tavLst>
-                                        <p:tav tm="0">
-                                          <p:val>
-                                            <p:strVal val="#ppt_x"/>
-                                          </p:val>
-                                        </p:tav>
-                                        <p:tav tm="100000">
-                                          <p:val>
-                                            <p:strVal val="#ppt_x"/>
-                                          </p:val>
-                                        </p:tav>
-                                      </p:tavLst>
-                                    </p:anim>
-                                    <p:anim calcmode="lin" valueType="num">
-                                      <p:cBhvr additive="base">
-                                        <p:cTn id="20" dur="500" fill="hold"/>
-                                        <p:tgtEl>
-                                          <p:spTgt spid="4"/>
-                                        </p:tgtEl>
-                                        <p:attrNameLst>
-                                          <p:attrName>ppt_y</p:attrName>
-                                        </p:attrNameLst>
-                                      </p:cBhvr>
-                                      <p:tavLst>
-                                        <p:tav tm="0">
-                                          <p:val>
-                                            <p:strVal val="1+#ppt_h/2"/>
-                                          </p:val>
-                                        </p:tav>
-                                        <p:tav tm="100000">
-                                          <p:val>
-                                            <p:strVal val="#ppt_y"/>
-                                          </p:val>
-                                        </p:tav>
-                                      </p:tavLst>
-                                    </p:anim>
-                                  </p:childTnLst>
-                                </p:cTn>
-                              </p:par>
-                            </p:childTnLst>
-                          </p:cTn>
-                        </p:par>
-                      </p:childTnLst>
-                    </p:cTn>
-                  </p:par>
-                  <p:par>
-                    <p:cTn id="21" fill="hold">
-                      <p:stCondLst>
-                        <p:cond delay="indefinite"/>
-                      </p:stCondLst>
-                      <p:childTnLst>
-                        <p:par>
-                          <p:cTn id="22" fill="hold">
-                            <p:stCondLst>
-                              <p:cond delay="0"/>
-                            </p:stCondLst>
-                            <p:childTnLst>
-                              <p:par>
-                                <p:cTn id="23" presetID="1" presetClass="entr" presetSubtype="0" fill="hold" nodeType="clickEffect">
-                                  <p:stCondLst>
-                                    <p:cond delay="0"/>
-                                  </p:stCondLst>
-                                  <p:childTnLst>
-                                    <p:set>
-                                      <p:cBhvr>
-                                        <p:cTn id="24" dur="1" fill="hold">
-                                          <p:stCondLst>
-                                            <p:cond delay="0"/>
-                                          </p:stCondLst>
-                                        </p:cTn>
-                                        <p:tgtEl>
-                                          <p:spTgt spid="3">
-                                            <p:txEl>
-                                              <p:pRg st="6" end="6"/>
+                                              <p:pRg st="4" end="4"/>
                                             </p:txEl>
                                           </p:spTgt>
                                         </p:tgtEl>
@@ -3762,7 +3594,19 @@
             </a:pPr>
             <a:r>
               <a:rPr lang="en-US" altLang="en-US" sz="2055"/>
-              <a:t>计算量小单高效；</a:t>
+              <a:t>计算量小</a:t>
+            </a:r>
+            <a:r>
+              <a:rPr lang="" altLang="en-US" sz="2055"/>
+              <a:t>，</a:t>
+            </a:r>
+            <a:r>
+              <a:rPr lang="" altLang="en-US" sz="2055"/>
+              <a:t>简单</a:t>
+            </a:r>
+            <a:r>
+              <a:rPr lang="en-US" altLang="en-US" sz="2055"/>
+              <a:t>高效；</a:t>
             </a:r>
             <a:endParaRPr lang="en-US" altLang="en-US" sz="2055"/>
           </a:p>
@@ -3918,10 +3762,10 @@
           <a:bodyPr/>
           <a:p>
             <a:r>
-              <a:rPr lang="" altLang="en-US" sz="3600" b="1"/>
+              <a:rPr lang="en-US" altLang="en-US" sz="3600" b="1"/>
               <a:t>本人亲测的不同分类算法交叉检验的准确度</a:t>
             </a:r>
-            <a:endParaRPr lang="" altLang="en-US" sz="3600" b="1"/>
+            <a:endParaRPr lang="en-US" altLang="en-US" sz="3600" b="1"/>
           </a:p>
         </p:txBody>
       </p:sp>
@@ -5938,13 +5782,9 @@
             </a:pPr>
             <a:r>
               <a:rPr lang="en-US" altLang="en-US" sz="2000" b="1"/>
-              <a:t>典型的损失函数会长成这样</a:t>
-            </a:r>
-            <a:r>
-              <a:rPr lang="" altLang="en-US" sz="2000" b="1"/>
-              <a:t>，</a:t>
-            </a:r>
-            <a:endParaRPr lang="" altLang="en-US" sz="2000" b="1"/>
+              <a:t>典型的损失函数会长成这样，</a:t>
+            </a:r>
+            <a:endParaRPr lang="en-US" altLang="en-US" sz="2000" b="1"/>
           </a:p>
           <a:p>
             <a:pPr algn="ctr">
@@ -5953,10 +5793,10 @@
               </a:lnSpc>
             </a:pPr>
             <a:r>
-              <a:rPr lang="" altLang="en-US" sz="2000" b="1"/>
+              <a:rPr lang="en-US" altLang="en-US" sz="2000" b="1"/>
               <a:t>中间那个大坑就是我们要的地方</a:t>
             </a:r>
-            <a:endParaRPr lang="" altLang="en-US" sz="2000" b="1"/>
+            <a:endParaRPr lang="en-US" altLang="en-US" sz="2000" b="1"/>
           </a:p>
         </p:txBody>
       </p:sp>
@@ -6597,28 +6437,28 @@
             </a:r>
             <a:r>
               <a:rPr lang="en-US" altLang="en-US">
-                <a:latin typeface="Arial" panose="02080604020202020204" pitchFamily="34" charset="0"/>
-                <a:cs typeface="Arial" panose="02080604020202020204" pitchFamily="34" charset="0"/>
+                <a:latin typeface="Arial" panose="020B0604020202020204" pitchFamily="34" charset="0"/>
+                <a:cs typeface="Arial" panose="020B0604020202020204" pitchFamily="34" charset="0"/>
               </a:rPr>
               <a:t>θ，使得损失函数 L 尽可能地小。本质上就是一个</a:t>
             </a:r>
             <a:r>
               <a:rPr lang="en-US" altLang="en-US" b="1">
-                <a:latin typeface="Arial" panose="02080604020202020204" pitchFamily="34" charset="0"/>
-                <a:cs typeface="Arial" panose="02080604020202020204" pitchFamily="34" charset="0"/>
+                <a:latin typeface="Arial" panose="020B0604020202020204" pitchFamily="34" charset="0"/>
+                <a:cs typeface="Arial" panose="020B0604020202020204" pitchFamily="34" charset="0"/>
               </a:rPr>
               <a:t>最优化问题</a:t>
             </a:r>
             <a:r>
               <a:rPr lang="en-US" altLang="en-US">
-                <a:latin typeface="Arial" panose="02080604020202020204" pitchFamily="34" charset="0"/>
-                <a:cs typeface="Arial" panose="02080604020202020204" pitchFamily="34" charset="0"/>
+                <a:latin typeface="Arial" panose="020B0604020202020204" pitchFamily="34" charset="0"/>
+                <a:cs typeface="Arial" panose="020B0604020202020204" pitchFamily="34" charset="0"/>
               </a:rPr>
               <a:t>。</a:t>
             </a:r>
             <a:endParaRPr lang="en-US" altLang="en-US">
-              <a:latin typeface="Arial" panose="02080604020202020204" pitchFamily="34" charset="0"/>
-              <a:cs typeface="Arial" panose="02080604020202020204" pitchFamily="34" charset="0"/>
+              <a:latin typeface="Arial" panose="020B0604020202020204" pitchFamily="34" charset="0"/>
+              <a:cs typeface="Arial" panose="020B0604020202020204" pitchFamily="34" charset="0"/>
             </a:endParaRPr>
           </a:p>
           <a:p>
@@ -6631,8 +6471,8 @@
               </a:spcAft>
             </a:pPr>
             <a:endParaRPr lang="en-US" altLang="en-US">
-              <a:latin typeface="Arial" panose="02080604020202020204" pitchFamily="34" charset="0"/>
-              <a:cs typeface="Arial" panose="02080604020202020204" pitchFamily="34" charset="0"/>
+              <a:latin typeface="Arial" panose="020B0604020202020204" pitchFamily="34" charset="0"/>
+              <a:cs typeface="Arial" panose="020B0604020202020204" pitchFamily="34" charset="0"/>
             </a:endParaRPr>
           </a:p>
           <a:p>
@@ -6646,28 +6486,28 @@
             </a:pPr>
             <a:r>
               <a:rPr lang="en-US" altLang="en-US">
-                <a:latin typeface="Arial" panose="02080604020202020204" pitchFamily="34" charset="0"/>
-                <a:cs typeface="Arial" panose="02080604020202020204" pitchFamily="34" charset="0"/>
+                <a:latin typeface="Arial" panose="020B0604020202020204" pitchFamily="34" charset="0"/>
+                <a:cs typeface="Arial" panose="020B0604020202020204" pitchFamily="34" charset="0"/>
               </a:rPr>
               <a:t>最常用的优化方法为梯度下降，就是</a:t>
             </a:r>
             <a:r>
               <a:rPr lang="en-US" altLang="en-US" b="1">
-                <a:latin typeface="Arial" panose="02080604020202020204" pitchFamily="34" charset="0"/>
-                <a:cs typeface="Arial" panose="02080604020202020204" pitchFamily="34" charset="0"/>
+                <a:latin typeface="Arial" panose="020B0604020202020204" pitchFamily="34" charset="0"/>
+                <a:cs typeface="Arial" panose="020B0604020202020204" pitchFamily="34" charset="0"/>
               </a:rPr>
               <a:t>沿梯度下降的方向求解极小值</a:t>
             </a:r>
             <a:r>
               <a:rPr lang="en-US" altLang="en-US">
-                <a:latin typeface="Arial" panose="02080604020202020204" pitchFamily="34" charset="0"/>
-                <a:cs typeface="Arial" panose="02080604020202020204" pitchFamily="34" charset="0"/>
+                <a:latin typeface="Arial" panose="020B0604020202020204" pitchFamily="34" charset="0"/>
+                <a:cs typeface="Arial" panose="020B0604020202020204" pitchFamily="34" charset="0"/>
               </a:rPr>
               <a:t>。</a:t>
             </a:r>
             <a:endParaRPr lang="en-US" altLang="en-US">
-              <a:latin typeface="Arial" panose="02080604020202020204" pitchFamily="34" charset="0"/>
-              <a:cs typeface="Arial" panose="02080604020202020204" pitchFamily="34" charset="0"/>
+              <a:latin typeface="Arial" panose="020B0604020202020204" pitchFamily="34" charset="0"/>
+              <a:cs typeface="Arial" panose="020B0604020202020204" pitchFamily="34" charset="0"/>
             </a:endParaRPr>
           </a:p>
         </p:txBody>
